--- a/doc/AngularJS.pptx
+++ b/doc/AngularJS.pptx
@@ -5,10 +5,10 @@
     <p:sldMasterId id="2147483666" r:id="rId1"/>
   </p:sldMasterIdLst>
   <p:notesMasterIdLst>
-    <p:notesMasterId r:id="rId44"/>
+    <p:notesMasterId r:id="rId46"/>
   </p:notesMasterIdLst>
   <p:handoutMasterIdLst>
-    <p:handoutMasterId r:id="rId45"/>
+    <p:handoutMasterId r:id="rId47"/>
   </p:handoutMasterIdLst>
   <p:sldIdLst>
     <p:sldId id="807" r:id="rId2"/>
@@ -53,6 +53,8 @@
     <p:sldId id="835" r:id="rId41"/>
     <p:sldId id="836" r:id="rId42"/>
     <p:sldId id="819" r:id="rId43"/>
+    <p:sldId id="859" r:id="rId44"/>
+    <p:sldId id="860" r:id="rId45"/>
   </p:sldIdLst>
   <p:sldSz cx="9144000" cy="5143500" type="screen16x9"/>
   <p:notesSz cx="6858000" cy="9144000"/>
@@ -198,6 +200,8 @@
             <p14:sldId id="835"/>
             <p14:sldId id="836"/>
             <p14:sldId id="819"/>
+            <p14:sldId id="859"/>
+            <p14:sldId id="860"/>
           </p14:sldIdLst>
         </p14:section>
       </p14:sectionLst>
@@ -325,7 +329,7 @@
             <a:fld id="{3ECA0D7F-01C5-4910-AF79-94801A394A7D}" type="datetimeFigureOut">
               <a:rPr lang="en-US" smtClean="0"/>
               <a:pPr/>
-              <a:t>11/18/2016</a:t>
+              <a:t>2/27/2017</a:t>
             </a:fld>
             <a:endParaRPr lang="en-US" dirty="0"/>
           </a:p>
@@ -497,7 +501,7 @@
             <a:fld id="{297A7E1B-F2FC-4D6E-A456-9244AEED2FF0}" type="datetimeFigureOut">
               <a:rPr lang="en-US" smtClean="0"/>
               <a:pPr/>
-              <a:t>11/18/2016</a:t>
+              <a:t>2/27/2017</a:t>
             </a:fld>
             <a:endParaRPr lang="en-US" dirty="0"/>
           </a:p>
@@ -817,7 +821,7 @@
           <a:p>
             <a:fld id="{BEC881CA-388F-473B-8DF8-607EFFE8DD34}" type="datetime1">
               <a:rPr lang="en-US" smtClean="0"/>
-              <a:t>11/18/2016</a:t>
+              <a:t>2/27/2017</a:t>
             </a:fld>
             <a:endParaRPr lang="en-US" dirty="0"/>
           </a:p>
@@ -939,7 +943,7 @@
           <a:p>
             <a:fld id="{094CA6A2-773A-4504-A959-4492DB4FB8DE}" type="datetime1">
               <a:rPr lang="en-US" smtClean="0"/>
-              <a:t>11/18/2016</a:t>
+              <a:t>2/27/2017</a:t>
             </a:fld>
             <a:endParaRPr lang="en-US" dirty="0"/>
           </a:p>
@@ -1039,7 +1043,7 @@
           <a:p>
             <a:fld id="{3C87468F-1E1E-4BD7-A12A-6F5DC360DAF8}" type="datetime1">
               <a:rPr lang="en-US" smtClean="0"/>
-              <a:t>11/18/2016</a:t>
+              <a:t>2/27/2017</a:t>
             </a:fld>
             <a:endParaRPr lang="en-US" dirty="0"/>
           </a:p>
@@ -1161,7 +1165,7 @@
           <a:p>
             <a:fld id="{4705061D-FBD7-4CEF-9FA3-74213A1B941D}" type="datetime1">
               <a:rPr lang="en-US" smtClean="0"/>
-              <a:t>11/18/2016</a:t>
+              <a:t>2/27/2017</a:t>
             </a:fld>
             <a:endParaRPr lang="en-US" dirty="0"/>
           </a:p>
@@ -1264,7 +1268,7 @@
           <a:p>
             <a:fld id="{11196C29-405C-47C9-A315-C5C88657765A}" type="datetime1">
               <a:rPr lang="en-US" smtClean="0"/>
-              <a:t>11/18/2016</a:t>
+              <a:t>2/27/2017</a:t>
             </a:fld>
             <a:endParaRPr lang="en-US" dirty="0"/>
           </a:p>
@@ -1364,7 +1368,7 @@
           <a:p>
             <a:fld id="{B94DF958-546C-413C-A4BB-C50F006423A4}" type="datetime1">
               <a:rPr lang="en-US" smtClean="0"/>
-              <a:t>11/18/2016</a:t>
+              <a:t>2/27/2017</a:t>
             </a:fld>
             <a:endParaRPr lang="en-US" dirty="0"/>
           </a:p>
@@ -1601,7 +1605,7 @@
           <a:p>
             <a:fld id="{E10F1410-AC63-4B3D-BDB6-F3A85B05547F}" type="datetime1">
               <a:rPr lang="en-US" smtClean="0"/>
-              <a:t>11/18/2016</a:t>
+              <a:t>2/27/2017</a:t>
             </a:fld>
             <a:endParaRPr lang="en-US" dirty="0"/>
           </a:p>
@@ -1704,7 +1708,7 @@
           <a:p>
             <a:fld id="{6ACE7887-7BDE-4CAB-8930-A3E34A81786F}" type="datetime1">
               <a:rPr lang="en-US" smtClean="0"/>
-              <a:t>11/18/2016</a:t>
+              <a:t>2/27/2017</a:t>
             </a:fld>
             <a:endParaRPr lang="en-US" dirty="0"/>
           </a:p>
@@ -1975,7 +1979,7 @@
           <a:p>
             <a:fld id="{01E4E6C2-A4A0-4EC3-A58B-1B028E358892}" type="datetime1">
               <a:rPr lang="en-US" smtClean="0"/>
-              <a:t>11/18/2016</a:t>
+              <a:t>2/27/2017</a:t>
             </a:fld>
             <a:endParaRPr lang="en-US" dirty="0"/>
           </a:p>
@@ -2121,7 +2125,7 @@
           <a:p>
             <a:fld id="{46818785-F1EB-41E5-8747-879A400D021C}" type="datetime1">
               <a:rPr lang="en-US" smtClean="0"/>
-              <a:t>11/18/2016</a:t>
+              <a:t>2/27/2017</a:t>
             </a:fld>
             <a:endParaRPr lang="en-US" dirty="0"/>
           </a:p>
@@ -17219,10 +17223,1645 @@
           <a:chExt cx="0" cy="0"/>
         </a:xfrm>
       </p:grpSpPr>
+      <p:sp>
+        <p:nvSpPr>
+          <p:cNvPr id="2" name="Title 1"/>
+          <p:cNvSpPr txBox="1">
+            <a:spLocks/>
+          </p:cNvSpPr>
+          <p:nvPr/>
+        </p:nvSpPr>
+        <p:spPr>
+          <a:xfrm>
+            <a:off x="291714" y="183685"/>
+            <a:ext cx="8577650" cy="586650"/>
+          </a:xfrm>
+          <a:prstGeom prst="rect">
+            <a:avLst/>
+          </a:prstGeom>
+        </p:spPr>
+        <p:txBody>
+          <a:bodyPr/>
+          <a:lstStyle>
+            <a:lvl1pPr algn="l" defTabSz="685743" rtl="0" eaLnBrk="1" latinLnBrk="0" hangingPunct="1">
+              <a:lnSpc>
+                <a:spcPct val="100000"/>
+              </a:lnSpc>
+              <a:spcBef>
+                <a:spcPct val="0"/>
+              </a:spcBef>
+              <a:buNone/>
+              <a:defRPr lang="en-US" sz="2800" b="1" kern="1200" cap="all" baseline="0" dirty="0">
+                <a:solidFill>
+                  <a:schemeClr val="tx2"/>
+                </a:solidFill>
+                <a:latin typeface="+mj-lt"/>
+                <a:ea typeface="+mj-ea"/>
+                <a:cs typeface="+mj-cs"/>
+              </a:defRPr>
+            </a:lvl1pPr>
+          </a:lstStyle>
+          <a:p>
+            <a:r>
+              <a:rPr lang="en-US" dirty="0" smtClean="0"/>
+              <a:t>$watch</a:t>
+            </a:r>
+            <a:endParaRPr lang="en-US" dirty="0"/>
+          </a:p>
+        </p:txBody>
+      </p:sp>
+      <p:sp>
+        <p:nvSpPr>
+          <p:cNvPr id="3" name="Content Placeholder 2"/>
+          <p:cNvSpPr txBox="1">
+            <a:spLocks/>
+          </p:cNvSpPr>
+          <p:nvPr/>
+        </p:nvSpPr>
+        <p:spPr>
+          <a:xfrm>
+            <a:off x="291714" y="1182290"/>
+            <a:ext cx="8762909" cy="3712844"/>
+          </a:xfrm>
+          <a:prstGeom prst="rect">
+            <a:avLst/>
+          </a:prstGeom>
+        </p:spPr>
+        <p:txBody>
+          <a:bodyPr/>
+          <a:lstStyle>
+            <a:lvl1pPr marL="0" indent="0" algn="l" defTabSz="685743" rtl="0" eaLnBrk="1" latinLnBrk="0" hangingPunct="1">
+              <a:lnSpc>
+                <a:spcPct val="100000"/>
+              </a:lnSpc>
+              <a:spcBef>
+                <a:spcPts val="450"/>
+              </a:spcBef>
+              <a:spcAft>
+                <a:spcPts val="450"/>
+              </a:spcAft>
+              <a:buClr>
+                <a:schemeClr val="accent1"/>
+              </a:buClr>
+              <a:buFont typeface="Wingdings" pitchFamily="2" charset="2"/>
+              <a:buNone/>
+              <a:defRPr lang="en-US" sz="2000" kern="1200" dirty="0" smtClean="0">
+                <a:solidFill>
+                  <a:schemeClr val="tx2"/>
+                </a:solidFill>
+                <a:latin typeface="+mn-lt"/>
+                <a:ea typeface="+mn-ea"/>
+                <a:cs typeface="Arial" pitchFamily="34" charset="0"/>
+              </a:defRPr>
+            </a:lvl1pPr>
+            <a:lvl2pPr marL="457200" indent="-274320" algn="l" defTabSz="685743" rtl="0" eaLnBrk="1" latinLnBrk="0" hangingPunct="1">
+              <a:lnSpc>
+                <a:spcPct val="100000"/>
+              </a:lnSpc>
+              <a:spcBef>
+                <a:spcPts val="0"/>
+              </a:spcBef>
+              <a:spcAft>
+                <a:spcPts val="225"/>
+              </a:spcAft>
+              <a:buClrTx/>
+              <a:buSzPct val="120000"/>
+              <a:buFont typeface="Wingdings" pitchFamily="2" charset="2"/>
+              <a:buChar char="§"/>
+              <a:tabLst>
+                <a:tab pos="173831" algn="l"/>
+              </a:tabLst>
+              <a:defRPr lang="en-US" sz="1600" kern="1200" baseline="0" dirty="0" smtClean="0">
+                <a:solidFill>
+                  <a:schemeClr val="tx1"/>
+                </a:solidFill>
+                <a:latin typeface="+mn-lt"/>
+                <a:ea typeface="+mn-ea"/>
+                <a:cs typeface="Arial" pitchFamily="34" charset="0"/>
+              </a:defRPr>
+            </a:lvl2pPr>
+            <a:lvl3pPr marL="640080" indent="-274320" algn="l" defTabSz="685743" rtl="0" eaLnBrk="1" latinLnBrk="0" hangingPunct="1">
+              <a:lnSpc>
+                <a:spcPct val="100000"/>
+              </a:lnSpc>
+              <a:spcBef>
+                <a:spcPts val="0"/>
+              </a:spcBef>
+              <a:spcAft>
+                <a:spcPts val="225"/>
+              </a:spcAft>
+              <a:buClrTx/>
+              <a:buFont typeface="Wingdings" pitchFamily="2" charset="2"/>
+              <a:buChar char="§"/>
+              <a:defRPr lang="en-US" sz="1400" kern="1200" dirty="0" smtClean="0">
+                <a:solidFill>
+                  <a:schemeClr val="tx1"/>
+                </a:solidFill>
+                <a:latin typeface="+mn-lt"/>
+                <a:ea typeface="+mn-ea"/>
+                <a:cs typeface="+mn-cs"/>
+              </a:defRPr>
+            </a:lvl3pPr>
+            <a:lvl4pPr marL="822960" indent="-274320" algn="l" defTabSz="685743" rtl="0" eaLnBrk="1" latinLnBrk="0" hangingPunct="1">
+              <a:lnSpc>
+                <a:spcPct val="100000"/>
+              </a:lnSpc>
+              <a:spcBef>
+                <a:spcPts val="0"/>
+              </a:spcBef>
+              <a:spcAft>
+                <a:spcPts val="225"/>
+              </a:spcAft>
+              <a:buClrTx/>
+              <a:buFont typeface="Wingdings" pitchFamily="2" charset="2"/>
+              <a:buChar char="§"/>
+              <a:defRPr lang="en-US" sz="1200" kern="1200" dirty="0" smtClean="0">
+                <a:solidFill>
+                  <a:schemeClr val="tx1"/>
+                </a:solidFill>
+                <a:latin typeface="+mn-lt"/>
+                <a:ea typeface="+mn-ea"/>
+                <a:cs typeface="+mn-cs"/>
+              </a:defRPr>
+            </a:lvl4pPr>
+            <a:lvl5pPr marL="1005840" indent="-274320" algn="l" defTabSz="685743" rtl="0" eaLnBrk="1" latinLnBrk="0" hangingPunct="1">
+              <a:lnSpc>
+                <a:spcPct val="100000"/>
+              </a:lnSpc>
+              <a:spcBef>
+                <a:spcPts val="0"/>
+              </a:spcBef>
+              <a:spcAft>
+                <a:spcPts val="225"/>
+              </a:spcAft>
+              <a:buClrTx/>
+              <a:buFont typeface="Wingdings" pitchFamily="2" charset="2"/>
+              <a:buChar char="§"/>
+              <a:defRPr lang="en-US" sz="1100" kern="1200" dirty="0">
+                <a:solidFill>
+                  <a:schemeClr val="tx1"/>
+                </a:solidFill>
+                <a:latin typeface="+mn-lt"/>
+                <a:ea typeface="+mn-ea"/>
+                <a:cs typeface="+mn-cs"/>
+              </a:defRPr>
+            </a:lvl5pPr>
+            <a:lvl6pPr marL="1885793" indent="-171437" algn="l" defTabSz="685743" rtl="0" eaLnBrk="1" latinLnBrk="0" hangingPunct="1">
+              <a:spcBef>
+                <a:spcPct val="20000"/>
+              </a:spcBef>
+              <a:buFont typeface="Arial" pitchFamily="34" charset="0"/>
+              <a:buChar char="•"/>
+              <a:defRPr sz="1500" kern="1200">
+                <a:solidFill>
+                  <a:schemeClr val="tx1"/>
+                </a:solidFill>
+                <a:latin typeface="+mn-lt"/>
+                <a:ea typeface="+mn-ea"/>
+                <a:cs typeface="+mn-cs"/>
+              </a:defRPr>
+            </a:lvl6pPr>
+            <a:lvl7pPr marL="2228664" indent="-171437" algn="l" defTabSz="685743" rtl="0" eaLnBrk="1" latinLnBrk="0" hangingPunct="1">
+              <a:spcBef>
+                <a:spcPct val="20000"/>
+              </a:spcBef>
+              <a:buFont typeface="Arial" pitchFamily="34" charset="0"/>
+              <a:buChar char="•"/>
+              <a:defRPr sz="1500" kern="1200">
+                <a:solidFill>
+                  <a:schemeClr val="tx1"/>
+                </a:solidFill>
+                <a:latin typeface="+mn-lt"/>
+                <a:ea typeface="+mn-ea"/>
+                <a:cs typeface="+mn-cs"/>
+              </a:defRPr>
+            </a:lvl7pPr>
+            <a:lvl8pPr marL="2571536" indent="-171437" algn="l" defTabSz="685743" rtl="0" eaLnBrk="1" latinLnBrk="0" hangingPunct="1">
+              <a:spcBef>
+                <a:spcPct val="20000"/>
+              </a:spcBef>
+              <a:buFont typeface="Arial" pitchFamily="34" charset="0"/>
+              <a:buChar char="•"/>
+              <a:defRPr sz="1500" kern="1200">
+                <a:solidFill>
+                  <a:schemeClr val="tx1"/>
+                </a:solidFill>
+                <a:latin typeface="+mn-lt"/>
+                <a:ea typeface="+mn-ea"/>
+                <a:cs typeface="+mn-cs"/>
+              </a:defRPr>
+            </a:lvl8pPr>
+            <a:lvl9pPr marL="2914407" indent="-171437" algn="l" defTabSz="685743" rtl="0" eaLnBrk="1" latinLnBrk="0" hangingPunct="1">
+              <a:spcBef>
+                <a:spcPct val="20000"/>
+              </a:spcBef>
+              <a:buFont typeface="Arial" pitchFamily="34" charset="0"/>
+              <a:buChar char="•"/>
+              <a:defRPr sz="1500" kern="1200">
+                <a:solidFill>
+                  <a:schemeClr val="tx1"/>
+                </a:solidFill>
+                <a:latin typeface="+mn-lt"/>
+                <a:ea typeface="+mn-ea"/>
+                <a:cs typeface="+mn-cs"/>
+              </a:defRPr>
+            </a:lvl9pPr>
+          </a:lstStyle>
+          <a:p>
+            <a:r>
+              <a:rPr lang="en-US" dirty="0"/>
+              <a:t>When you create a data binding from somewhere in your view to a variable on the $scope object, AngularJS creates a "watch" internally. A watch means that AngularJS watches changes in the variable on the $scope object. The framework is "watching" the variable. Watches are created using the $</a:t>
+            </a:r>
+            <a:r>
+              <a:rPr lang="en-US" dirty="0" err="1"/>
+              <a:t>scope.$watch</a:t>
+            </a:r>
+            <a:r>
+              <a:rPr lang="en-US" dirty="0"/>
+              <a:t>() </a:t>
+            </a:r>
+            <a:r>
+              <a:rPr lang="en-US" dirty="0" smtClean="0"/>
+              <a:t>function.</a:t>
+            </a:r>
+          </a:p>
+          <a:p>
+            <a:endParaRPr lang="en-US" dirty="0"/>
+          </a:p>
+        </p:txBody>
+      </p:sp>
+      <p:sp>
+        <p:nvSpPr>
+          <p:cNvPr id="6" name="Rectangle 5"/>
+          <p:cNvSpPr/>
+          <p:nvPr/>
+        </p:nvSpPr>
+        <p:spPr>
+          <a:xfrm>
+            <a:off x="343759" y="2791326"/>
+            <a:ext cx="3176337" cy="955651"/>
+          </a:xfrm>
+          <a:prstGeom prst="rect">
+            <a:avLst/>
+          </a:prstGeom>
+          <a:solidFill>
+            <a:schemeClr val="accent1"/>
+          </a:solidFill>
+          <a:ln>
+            <a:noFill/>
+          </a:ln>
+        </p:spPr>
+        <p:style>
+          <a:lnRef idx="2">
+            <a:schemeClr val="accent1">
+              <a:shade val="50000"/>
+            </a:schemeClr>
+          </a:lnRef>
+          <a:fillRef idx="1">
+            <a:schemeClr val="accent1"/>
+          </a:fillRef>
+          <a:effectRef idx="0">
+            <a:schemeClr val="accent1"/>
+          </a:effectRef>
+          <a:fontRef idx="minor">
+            <a:schemeClr val="lt1"/>
+          </a:fontRef>
+        </p:style>
+        <p:txBody>
+          <a:bodyPr rtlCol="0" anchor="ctr"/>
+          <a:lstStyle/>
+          <a:p>
+            <a:pPr algn="ctr"/>
+            <a:r>
+              <a:rPr lang="en-US" sz="1100" dirty="0"/>
+              <a:t>&lt;div ng-controller="x"&gt;</a:t>
+            </a:r>
+          </a:p>
+          <a:p>
+            <a:pPr algn="ctr"/>
+            <a:r>
+              <a:rPr lang="en-US" sz="1100" dirty="0"/>
+              <a:t>&lt;input type="text" ng-model="a"&gt;</a:t>
+            </a:r>
+          </a:p>
+          <a:p>
+            <a:pPr algn="ctr"/>
+            <a:r>
+              <a:rPr lang="en-US" sz="1100" dirty="0"/>
+              <a:t>&lt;div&gt;{{b}}&lt;/div&gt;</a:t>
+            </a:r>
+          </a:p>
+          <a:p>
+            <a:pPr algn="ctr"/>
+            <a:endParaRPr lang="en-US" sz="1100" dirty="0"/>
+          </a:p>
+          <a:p>
+            <a:pPr algn="ctr"/>
+            <a:r>
+              <a:rPr lang="en-US" sz="1100" dirty="0"/>
+              <a:t>&lt;/div&gt;</a:t>
+            </a:r>
+            <a:endParaRPr lang="en-US" sz="1100" dirty="0" smtClean="0"/>
+          </a:p>
+        </p:txBody>
+      </p:sp>
+      <p:sp>
+        <p:nvSpPr>
+          <p:cNvPr id="8" name="Rectangle 7"/>
+          <p:cNvSpPr/>
+          <p:nvPr/>
+        </p:nvSpPr>
+        <p:spPr>
+          <a:xfrm>
+            <a:off x="4413871" y="2791326"/>
+            <a:ext cx="1141281" cy="288758"/>
+          </a:xfrm>
+          <a:prstGeom prst="rect">
+            <a:avLst/>
+          </a:prstGeom>
+          <a:solidFill>
+            <a:schemeClr val="accent1"/>
+          </a:solidFill>
+          <a:ln>
+            <a:noFill/>
+          </a:ln>
+        </p:spPr>
+        <p:style>
+          <a:lnRef idx="2">
+            <a:schemeClr val="accent1">
+              <a:shade val="50000"/>
+            </a:schemeClr>
+          </a:lnRef>
+          <a:fillRef idx="1">
+            <a:schemeClr val="accent1"/>
+          </a:fillRef>
+          <a:effectRef idx="0">
+            <a:schemeClr val="accent1"/>
+          </a:effectRef>
+          <a:fontRef idx="minor">
+            <a:schemeClr val="lt1"/>
+          </a:fontRef>
+        </p:style>
+        <p:txBody>
+          <a:bodyPr rtlCol="0" anchor="ctr"/>
+          <a:lstStyle/>
+          <a:p>
+            <a:pPr algn="ctr"/>
+            <a:r>
+              <a:rPr lang="en-US" sz="1600" dirty="0" smtClean="0"/>
+              <a:t>watch-a:1</a:t>
+            </a:r>
+          </a:p>
+        </p:txBody>
+      </p:sp>
+      <p:sp>
+        <p:nvSpPr>
+          <p:cNvPr id="9" name="Rectangle 8"/>
+          <p:cNvSpPr/>
+          <p:nvPr/>
+        </p:nvSpPr>
+        <p:spPr>
+          <a:xfrm>
+            <a:off x="4413871" y="3279465"/>
+            <a:ext cx="1189407" cy="275007"/>
+          </a:xfrm>
+          <a:prstGeom prst="rect">
+            <a:avLst/>
+          </a:prstGeom>
+          <a:solidFill>
+            <a:schemeClr val="accent1"/>
+          </a:solidFill>
+          <a:ln>
+            <a:noFill/>
+          </a:ln>
+        </p:spPr>
+        <p:style>
+          <a:lnRef idx="2">
+            <a:schemeClr val="accent1">
+              <a:shade val="50000"/>
+            </a:schemeClr>
+          </a:lnRef>
+          <a:fillRef idx="1">
+            <a:schemeClr val="accent1"/>
+          </a:fillRef>
+          <a:effectRef idx="0">
+            <a:schemeClr val="accent1"/>
+          </a:effectRef>
+          <a:fontRef idx="minor">
+            <a:schemeClr val="lt1"/>
+          </a:fontRef>
+        </p:style>
+        <p:txBody>
+          <a:bodyPr rtlCol="0" anchor="ctr"/>
+          <a:lstStyle/>
+          <a:p>
+            <a:pPr algn="ctr"/>
+            <a:r>
+              <a:rPr lang="en-US" sz="1600" dirty="0" smtClean="0"/>
+              <a:t>Watch-b:2</a:t>
+            </a:r>
+          </a:p>
+        </p:txBody>
+      </p:sp>
+      <p:sp>
+        <p:nvSpPr>
+          <p:cNvPr id="10" name="Rectangle 9"/>
+          <p:cNvSpPr/>
+          <p:nvPr/>
+        </p:nvSpPr>
+        <p:spPr>
+          <a:xfrm>
+            <a:off x="5008574" y="3746978"/>
+            <a:ext cx="3695414" cy="1347538"/>
+          </a:xfrm>
+          <a:prstGeom prst="rect">
+            <a:avLst/>
+          </a:prstGeom>
+          <a:solidFill>
+            <a:schemeClr val="accent1"/>
+          </a:solidFill>
+          <a:ln>
+            <a:noFill/>
+          </a:ln>
+        </p:spPr>
+        <p:style>
+          <a:lnRef idx="2">
+            <a:schemeClr val="accent1">
+              <a:shade val="50000"/>
+            </a:schemeClr>
+          </a:lnRef>
+          <a:fillRef idx="1">
+            <a:schemeClr val="accent1"/>
+          </a:fillRef>
+          <a:effectRef idx="0">
+            <a:schemeClr val="accent1"/>
+          </a:effectRef>
+          <a:fontRef idx="minor">
+            <a:schemeClr val="lt1"/>
+          </a:fontRef>
+        </p:style>
+        <p:txBody>
+          <a:bodyPr rtlCol="0" anchor="ctr"/>
+          <a:lstStyle/>
+          <a:p>
+            <a:pPr algn="ctr"/>
+            <a:r>
+              <a:rPr lang="en-US" sz="1600" dirty="0" err="1"/>
+              <a:t>app.controller</a:t>
+            </a:r>
+            <a:r>
+              <a:rPr lang="en-US" sz="1600" dirty="0"/>
+              <a:t>('</a:t>
+            </a:r>
+            <a:r>
+              <a:rPr lang="en-US" sz="1600" dirty="0" err="1"/>
+              <a:t>x',function</a:t>
+            </a:r>
+            <a:r>
+              <a:rPr lang="en-US" sz="1600" dirty="0"/>
+              <a:t>($scope){</a:t>
+            </a:r>
+          </a:p>
+          <a:p>
+            <a:pPr algn="ctr"/>
+            <a:r>
+              <a:rPr lang="en-US" sz="1600" dirty="0"/>
+              <a:t>$</a:t>
+            </a:r>
+            <a:r>
+              <a:rPr lang="en-US" sz="1600" dirty="0" err="1"/>
+              <a:t>scope.a</a:t>
+            </a:r>
+            <a:r>
+              <a:rPr lang="en-US" sz="1600" dirty="0"/>
+              <a:t>=1;</a:t>
+            </a:r>
+          </a:p>
+          <a:p>
+            <a:pPr algn="ctr"/>
+            <a:r>
+              <a:rPr lang="en-US" sz="1600" dirty="0"/>
+              <a:t>$</a:t>
+            </a:r>
+            <a:r>
+              <a:rPr lang="en-US" sz="1600" dirty="0" err="1"/>
+              <a:t>scope.b</a:t>
+            </a:r>
+            <a:r>
+              <a:rPr lang="en-US" sz="1600" dirty="0"/>
+              <a:t>=2;</a:t>
+            </a:r>
+          </a:p>
+          <a:p>
+            <a:pPr algn="ctr"/>
+            <a:r>
+              <a:rPr lang="en-US" sz="1600" dirty="0"/>
+              <a:t>$</a:t>
+            </a:r>
+            <a:r>
+              <a:rPr lang="en-US" sz="1600" dirty="0" err="1"/>
+              <a:t>scope.c</a:t>
+            </a:r>
+            <a:r>
+              <a:rPr lang="en-US" sz="1600" dirty="0"/>
+              <a:t>=3;</a:t>
+            </a:r>
+          </a:p>
+          <a:p>
+            <a:pPr algn="ctr"/>
+            <a:r>
+              <a:rPr lang="en-US" sz="1600" dirty="0"/>
+              <a:t>});</a:t>
+            </a:r>
+            <a:endParaRPr lang="en-US" sz="1600" dirty="0" smtClean="0"/>
+          </a:p>
+        </p:txBody>
+      </p:sp>
+      <p:cxnSp>
+        <p:nvCxnSpPr>
+          <p:cNvPr id="19" name="Elbow Connector 18"/>
+          <p:cNvCxnSpPr>
+            <a:endCxn id="8" idx="1"/>
+          </p:cNvCxnSpPr>
+          <p:nvPr/>
+        </p:nvCxnSpPr>
+        <p:spPr>
+          <a:xfrm flipV="1">
+            <a:off x="2963206" y="2935705"/>
+            <a:ext cx="1450665" cy="144379"/>
+          </a:xfrm>
+          <a:prstGeom prst="bentConnector3">
+            <a:avLst/>
+          </a:prstGeom>
+          <a:ln>
+            <a:solidFill>
+              <a:srgbClr val="FF0000"/>
+            </a:solidFill>
+            <a:headEnd type="triangle"/>
+            <a:tailEnd type="triangle"/>
+          </a:ln>
+        </p:spPr>
+        <p:style>
+          <a:lnRef idx="1">
+            <a:schemeClr val="accent1"/>
+          </a:lnRef>
+          <a:fillRef idx="0">
+            <a:schemeClr val="accent1"/>
+          </a:fillRef>
+          <a:effectRef idx="0">
+            <a:schemeClr val="accent1"/>
+          </a:effectRef>
+          <a:fontRef idx="minor">
+            <a:schemeClr val="tx1"/>
+          </a:fontRef>
+        </p:style>
+      </p:cxnSp>
+      <p:cxnSp>
+        <p:nvCxnSpPr>
+          <p:cNvPr id="21" name="Elbow Connector 20"/>
+          <p:cNvCxnSpPr>
+            <a:endCxn id="9" idx="1"/>
+          </p:cNvCxnSpPr>
+          <p:nvPr/>
+        </p:nvCxnSpPr>
+        <p:spPr>
+          <a:xfrm>
+            <a:off x="2454442" y="3279465"/>
+            <a:ext cx="1959429" cy="137504"/>
+          </a:xfrm>
+          <a:prstGeom prst="bentConnector3">
+            <a:avLst/>
+          </a:prstGeom>
+          <a:ln>
+            <a:solidFill>
+              <a:srgbClr val="FF0000"/>
+            </a:solidFill>
+            <a:headEnd type="triangle"/>
+            <a:tailEnd type="triangle"/>
+          </a:ln>
+        </p:spPr>
+        <p:style>
+          <a:lnRef idx="1">
+            <a:schemeClr val="accent1"/>
+          </a:lnRef>
+          <a:fillRef idx="0">
+            <a:schemeClr val="accent1"/>
+          </a:fillRef>
+          <a:effectRef idx="0">
+            <a:schemeClr val="accent1"/>
+          </a:effectRef>
+          <a:fontRef idx="minor">
+            <a:schemeClr val="tx1"/>
+          </a:fontRef>
+        </p:style>
+      </p:cxnSp>
+      <p:cxnSp>
+        <p:nvCxnSpPr>
+          <p:cNvPr id="41" name="Straight Connector 40"/>
+          <p:cNvCxnSpPr/>
+          <p:nvPr/>
+        </p:nvCxnSpPr>
+        <p:spPr>
+          <a:xfrm>
+            <a:off x="3905107" y="3416968"/>
+            <a:ext cx="13750" cy="1003779"/>
+          </a:xfrm>
+          <a:prstGeom prst="line">
+            <a:avLst/>
+          </a:prstGeom>
+          <a:ln>
+            <a:solidFill>
+              <a:srgbClr val="FF0000"/>
+            </a:solidFill>
+          </a:ln>
+        </p:spPr>
+        <p:style>
+          <a:lnRef idx="1">
+            <a:schemeClr val="accent1"/>
+          </a:lnRef>
+          <a:fillRef idx="0">
+            <a:schemeClr val="accent1"/>
+          </a:fillRef>
+          <a:effectRef idx="0">
+            <a:schemeClr val="accent1"/>
+          </a:effectRef>
+          <a:fontRef idx="minor">
+            <a:schemeClr val="tx1"/>
+          </a:fontRef>
+        </p:style>
+      </p:cxnSp>
+      <p:cxnSp>
+        <p:nvCxnSpPr>
+          <p:cNvPr id="43" name="Straight Connector 42"/>
+          <p:cNvCxnSpPr/>
+          <p:nvPr/>
+        </p:nvCxnSpPr>
+        <p:spPr>
+          <a:xfrm>
+            <a:off x="3918857" y="4420747"/>
+            <a:ext cx="2420066" cy="0"/>
+          </a:xfrm>
+          <a:prstGeom prst="line">
+            <a:avLst/>
+          </a:prstGeom>
+          <a:ln>
+            <a:solidFill>
+              <a:srgbClr val="FF0000"/>
+            </a:solidFill>
+          </a:ln>
+        </p:spPr>
+        <p:style>
+          <a:lnRef idx="1">
+            <a:schemeClr val="accent1"/>
+          </a:lnRef>
+          <a:fillRef idx="0">
+            <a:schemeClr val="accent1"/>
+          </a:fillRef>
+          <a:effectRef idx="0">
+            <a:schemeClr val="accent1"/>
+          </a:effectRef>
+          <a:fontRef idx="minor">
+            <a:schemeClr val="tx1"/>
+          </a:fontRef>
+        </p:style>
+      </p:cxnSp>
+      <p:cxnSp>
+        <p:nvCxnSpPr>
+          <p:cNvPr id="45" name="Straight Connector 44"/>
+          <p:cNvCxnSpPr/>
+          <p:nvPr/>
+        </p:nvCxnSpPr>
+        <p:spPr>
+          <a:xfrm>
+            <a:off x="4145738" y="2935705"/>
+            <a:ext cx="34376" cy="1265035"/>
+          </a:xfrm>
+          <a:prstGeom prst="line">
+            <a:avLst/>
+          </a:prstGeom>
+          <a:ln>
+            <a:solidFill>
+              <a:srgbClr val="FF0000"/>
+            </a:solidFill>
+          </a:ln>
+        </p:spPr>
+        <p:style>
+          <a:lnRef idx="1">
+            <a:schemeClr val="accent1"/>
+          </a:lnRef>
+          <a:fillRef idx="0">
+            <a:schemeClr val="accent1"/>
+          </a:fillRef>
+          <a:effectRef idx="0">
+            <a:schemeClr val="accent1"/>
+          </a:effectRef>
+          <a:fontRef idx="minor">
+            <a:schemeClr val="tx1"/>
+          </a:fontRef>
+        </p:style>
+      </p:cxnSp>
+      <p:cxnSp>
+        <p:nvCxnSpPr>
+          <p:cNvPr id="47" name="Straight Connector 46"/>
+          <p:cNvCxnSpPr/>
+          <p:nvPr/>
+        </p:nvCxnSpPr>
+        <p:spPr>
+          <a:xfrm flipH="1">
+            <a:off x="4162926" y="4200740"/>
+            <a:ext cx="2175997" cy="0"/>
+          </a:xfrm>
+          <a:prstGeom prst="line">
+            <a:avLst/>
+          </a:prstGeom>
+        </p:spPr>
+        <p:style>
+          <a:lnRef idx="1">
+            <a:schemeClr val="accent1"/>
+          </a:lnRef>
+          <a:fillRef idx="0">
+            <a:schemeClr val="accent1"/>
+          </a:fillRef>
+          <a:effectRef idx="0">
+            <a:schemeClr val="accent1"/>
+          </a:effectRef>
+          <a:fontRef idx="minor">
+            <a:schemeClr val="tx1"/>
+          </a:fontRef>
+        </p:style>
+      </p:cxnSp>
     </p:spTree>
     <p:extLst>
       <p:ext uri="{BB962C8B-B14F-4D97-AF65-F5344CB8AC3E}">
         <p14:creationId xmlns:p14="http://schemas.microsoft.com/office/powerpoint/2010/main" val="4032979489"/>
+      </p:ext>
+    </p:extLst>
+  </p:cSld>
+  <p:clrMapOvr>
+    <a:masterClrMapping/>
+  </p:clrMapOvr>
+  <mc:AlternateContent xmlns:mc="http://schemas.openxmlformats.org/markup-compatibility/2006" xmlns:p14="http://schemas.microsoft.com/office/powerpoint/2010/main">
+    <mc:Choice Requires="p14">
+      <p:transition spd="med" p14:dur="700">
+        <p:fade/>
+      </p:transition>
+    </mc:Choice>
+    <mc:Fallback xmlns="">
+      <p:transition spd="med">
+        <p:fade/>
+      </p:transition>
+    </mc:Fallback>
+  </mc:AlternateContent>
+  <p:timing>
+    <p:tnLst>
+      <p:par>
+        <p:cTn id="1" dur="indefinite" restart="never" nodeType="tmRoot"/>
+      </p:par>
+    </p:tnLst>
+  </p:timing>
+</p:sld>
+</file>
+
+<file path=ppt/slides/slide43.xml><?xml version="1.0" encoding="utf-8"?>
+<p:sld xmlns:a="http://schemas.openxmlformats.org/drawingml/2006/main" xmlns:r="http://schemas.openxmlformats.org/officeDocument/2006/relationships" xmlns:p="http://schemas.openxmlformats.org/presentationml/2006/main" showMasterSp="0">
+  <p:cSld>
+    <p:spTree>
+      <p:nvGrpSpPr>
+        <p:cNvPr id="1" name=""/>
+        <p:cNvGrpSpPr/>
+        <p:nvPr/>
+      </p:nvGrpSpPr>
+      <p:grpSpPr>
+        <a:xfrm>
+          <a:off x="0" y="0"/>
+          <a:ext cx="0" cy="0"/>
+          <a:chOff x="0" y="0"/>
+          <a:chExt cx="0" cy="0"/>
+        </a:xfrm>
+      </p:grpSpPr>
+      <p:sp>
+        <p:nvSpPr>
+          <p:cNvPr id="2" name="Title 1"/>
+          <p:cNvSpPr txBox="1">
+            <a:spLocks/>
+          </p:cNvSpPr>
+          <p:nvPr/>
+        </p:nvSpPr>
+        <p:spPr>
+          <a:xfrm>
+            <a:off x="291714" y="183685"/>
+            <a:ext cx="8577650" cy="586650"/>
+          </a:xfrm>
+          <a:prstGeom prst="rect">
+            <a:avLst/>
+          </a:prstGeom>
+        </p:spPr>
+        <p:txBody>
+          <a:bodyPr/>
+          <a:lstStyle>
+            <a:lvl1pPr algn="l" defTabSz="685743" rtl="0" eaLnBrk="1" latinLnBrk="0" hangingPunct="1">
+              <a:lnSpc>
+                <a:spcPct val="100000"/>
+              </a:lnSpc>
+              <a:spcBef>
+                <a:spcPct val="0"/>
+              </a:spcBef>
+              <a:buNone/>
+              <a:defRPr lang="en-US" sz="2800" b="1" kern="1200" cap="all" baseline="0" dirty="0">
+                <a:solidFill>
+                  <a:schemeClr val="tx2"/>
+                </a:solidFill>
+                <a:latin typeface="+mj-lt"/>
+                <a:ea typeface="+mj-ea"/>
+                <a:cs typeface="+mj-cs"/>
+              </a:defRPr>
+            </a:lvl1pPr>
+          </a:lstStyle>
+          <a:p>
+            <a:r>
+              <a:rPr lang="en-US" dirty="0" smtClean="0"/>
+              <a:t>$watch</a:t>
+            </a:r>
+            <a:endParaRPr lang="en-US" dirty="0"/>
+          </a:p>
+        </p:txBody>
+      </p:sp>
+      <p:sp>
+        <p:nvSpPr>
+          <p:cNvPr id="3" name="Content Placeholder 2"/>
+          <p:cNvSpPr txBox="1">
+            <a:spLocks/>
+          </p:cNvSpPr>
+          <p:nvPr/>
+        </p:nvSpPr>
+        <p:spPr>
+          <a:xfrm>
+            <a:off x="291714" y="1182290"/>
+            <a:ext cx="8762909" cy="3712844"/>
+          </a:xfrm>
+          <a:prstGeom prst="rect">
+            <a:avLst/>
+          </a:prstGeom>
+        </p:spPr>
+        <p:txBody>
+          <a:bodyPr/>
+          <a:lstStyle>
+            <a:lvl1pPr marL="0" indent="0" algn="l" defTabSz="685743" rtl="0" eaLnBrk="1" latinLnBrk="0" hangingPunct="1">
+              <a:lnSpc>
+                <a:spcPct val="100000"/>
+              </a:lnSpc>
+              <a:spcBef>
+                <a:spcPts val="450"/>
+              </a:spcBef>
+              <a:spcAft>
+                <a:spcPts val="450"/>
+              </a:spcAft>
+              <a:buClr>
+                <a:schemeClr val="accent1"/>
+              </a:buClr>
+              <a:buFont typeface="Wingdings" pitchFamily="2" charset="2"/>
+              <a:buNone/>
+              <a:defRPr lang="en-US" sz="2000" kern="1200" dirty="0" smtClean="0">
+                <a:solidFill>
+                  <a:schemeClr val="tx2"/>
+                </a:solidFill>
+                <a:latin typeface="+mn-lt"/>
+                <a:ea typeface="+mn-ea"/>
+                <a:cs typeface="Arial" pitchFamily="34" charset="0"/>
+              </a:defRPr>
+            </a:lvl1pPr>
+            <a:lvl2pPr marL="457200" indent="-274320" algn="l" defTabSz="685743" rtl="0" eaLnBrk="1" latinLnBrk="0" hangingPunct="1">
+              <a:lnSpc>
+                <a:spcPct val="100000"/>
+              </a:lnSpc>
+              <a:spcBef>
+                <a:spcPts val="0"/>
+              </a:spcBef>
+              <a:spcAft>
+                <a:spcPts val="225"/>
+              </a:spcAft>
+              <a:buClrTx/>
+              <a:buSzPct val="120000"/>
+              <a:buFont typeface="Wingdings" pitchFamily="2" charset="2"/>
+              <a:buChar char="§"/>
+              <a:tabLst>
+                <a:tab pos="173831" algn="l"/>
+              </a:tabLst>
+              <a:defRPr lang="en-US" sz="1600" kern="1200" baseline="0" dirty="0" smtClean="0">
+                <a:solidFill>
+                  <a:schemeClr val="tx1"/>
+                </a:solidFill>
+                <a:latin typeface="+mn-lt"/>
+                <a:ea typeface="+mn-ea"/>
+                <a:cs typeface="Arial" pitchFamily="34" charset="0"/>
+              </a:defRPr>
+            </a:lvl2pPr>
+            <a:lvl3pPr marL="640080" indent="-274320" algn="l" defTabSz="685743" rtl="0" eaLnBrk="1" latinLnBrk="0" hangingPunct="1">
+              <a:lnSpc>
+                <a:spcPct val="100000"/>
+              </a:lnSpc>
+              <a:spcBef>
+                <a:spcPts val="0"/>
+              </a:spcBef>
+              <a:spcAft>
+                <a:spcPts val="225"/>
+              </a:spcAft>
+              <a:buClrTx/>
+              <a:buFont typeface="Wingdings" pitchFamily="2" charset="2"/>
+              <a:buChar char="§"/>
+              <a:defRPr lang="en-US" sz="1400" kern="1200" dirty="0" smtClean="0">
+                <a:solidFill>
+                  <a:schemeClr val="tx1"/>
+                </a:solidFill>
+                <a:latin typeface="+mn-lt"/>
+                <a:ea typeface="+mn-ea"/>
+                <a:cs typeface="+mn-cs"/>
+              </a:defRPr>
+            </a:lvl3pPr>
+            <a:lvl4pPr marL="822960" indent="-274320" algn="l" defTabSz="685743" rtl="0" eaLnBrk="1" latinLnBrk="0" hangingPunct="1">
+              <a:lnSpc>
+                <a:spcPct val="100000"/>
+              </a:lnSpc>
+              <a:spcBef>
+                <a:spcPts val="0"/>
+              </a:spcBef>
+              <a:spcAft>
+                <a:spcPts val="225"/>
+              </a:spcAft>
+              <a:buClrTx/>
+              <a:buFont typeface="Wingdings" pitchFamily="2" charset="2"/>
+              <a:buChar char="§"/>
+              <a:defRPr lang="en-US" sz="1200" kern="1200" dirty="0" smtClean="0">
+                <a:solidFill>
+                  <a:schemeClr val="tx1"/>
+                </a:solidFill>
+                <a:latin typeface="+mn-lt"/>
+                <a:ea typeface="+mn-ea"/>
+                <a:cs typeface="+mn-cs"/>
+              </a:defRPr>
+            </a:lvl4pPr>
+            <a:lvl5pPr marL="1005840" indent="-274320" algn="l" defTabSz="685743" rtl="0" eaLnBrk="1" latinLnBrk="0" hangingPunct="1">
+              <a:lnSpc>
+                <a:spcPct val="100000"/>
+              </a:lnSpc>
+              <a:spcBef>
+                <a:spcPts val="0"/>
+              </a:spcBef>
+              <a:spcAft>
+                <a:spcPts val="225"/>
+              </a:spcAft>
+              <a:buClrTx/>
+              <a:buFont typeface="Wingdings" pitchFamily="2" charset="2"/>
+              <a:buChar char="§"/>
+              <a:defRPr lang="en-US" sz="1100" kern="1200" dirty="0">
+                <a:solidFill>
+                  <a:schemeClr val="tx1"/>
+                </a:solidFill>
+                <a:latin typeface="+mn-lt"/>
+                <a:ea typeface="+mn-ea"/>
+                <a:cs typeface="+mn-cs"/>
+              </a:defRPr>
+            </a:lvl5pPr>
+            <a:lvl6pPr marL="1885793" indent="-171437" algn="l" defTabSz="685743" rtl="0" eaLnBrk="1" latinLnBrk="0" hangingPunct="1">
+              <a:spcBef>
+                <a:spcPct val="20000"/>
+              </a:spcBef>
+              <a:buFont typeface="Arial" pitchFamily="34" charset="0"/>
+              <a:buChar char="•"/>
+              <a:defRPr sz="1500" kern="1200">
+                <a:solidFill>
+                  <a:schemeClr val="tx1"/>
+                </a:solidFill>
+                <a:latin typeface="+mn-lt"/>
+                <a:ea typeface="+mn-ea"/>
+                <a:cs typeface="+mn-cs"/>
+              </a:defRPr>
+            </a:lvl6pPr>
+            <a:lvl7pPr marL="2228664" indent="-171437" algn="l" defTabSz="685743" rtl="0" eaLnBrk="1" latinLnBrk="0" hangingPunct="1">
+              <a:spcBef>
+                <a:spcPct val="20000"/>
+              </a:spcBef>
+              <a:buFont typeface="Arial" pitchFamily="34" charset="0"/>
+              <a:buChar char="•"/>
+              <a:defRPr sz="1500" kern="1200">
+                <a:solidFill>
+                  <a:schemeClr val="tx1"/>
+                </a:solidFill>
+                <a:latin typeface="+mn-lt"/>
+                <a:ea typeface="+mn-ea"/>
+                <a:cs typeface="+mn-cs"/>
+              </a:defRPr>
+            </a:lvl7pPr>
+            <a:lvl8pPr marL="2571536" indent="-171437" algn="l" defTabSz="685743" rtl="0" eaLnBrk="1" latinLnBrk="0" hangingPunct="1">
+              <a:spcBef>
+                <a:spcPct val="20000"/>
+              </a:spcBef>
+              <a:buFont typeface="Arial" pitchFamily="34" charset="0"/>
+              <a:buChar char="•"/>
+              <a:defRPr sz="1500" kern="1200">
+                <a:solidFill>
+                  <a:schemeClr val="tx1"/>
+                </a:solidFill>
+                <a:latin typeface="+mn-lt"/>
+                <a:ea typeface="+mn-ea"/>
+                <a:cs typeface="+mn-cs"/>
+              </a:defRPr>
+            </a:lvl8pPr>
+            <a:lvl9pPr marL="2914407" indent="-171437" algn="l" defTabSz="685743" rtl="0" eaLnBrk="1" latinLnBrk="0" hangingPunct="1">
+              <a:spcBef>
+                <a:spcPct val="20000"/>
+              </a:spcBef>
+              <a:buFont typeface="Arial" pitchFamily="34" charset="0"/>
+              <a:buChar char="•"/>
+              <a:defRPr sz="1500" kern="1200">
+                <a:solidFill>
+                  <a:schemeClr val="tx1"/>
+                </a:solidFill>
+                <a:latin typeface="+mn-lt"/>
+                <a:ea typeface="+mn-ea"/>
+                <a:cs typeface="+mn-cs"/>
+              </a:defRPr>
+            </a:lvl9pPr>
+          </a:lstStyle>
+          <a:p>
+            <a:r>
+              <a:rPr lang="en-US" sz="1600" dirty="0" smtClean="0"/>
+              <a:t>1.Keep track of variables and its value.</a:t>
+            </a:r>
+          </a:p>
+          <a:p>
+            <a:r>
+              <a:rPr lang="en-US" sz="1600" dirty="0" smtClean="0"/>
+              <a:t>2.Watched by angular framework(by digest cycle)</a:t>
+            </a:r>
+          </a:p>
+          <a:p>
+            <a:r>
+              <a:rPr lang="en-US" sz="1600" dirty="0" smtClean="0"/>
+              <a:t>3.If value get changed angular perform necessary updated.</a:t>
+            </a:r>
+          </a:p>
+          <a:p>
+            <a:r>
+              <a:rPr lang="en-US" sz="1600" dirty="0" smtClean="0"/>
+              <a:t>4.Angular can updated our custom function on value change.</a:t>
+            </a:r>
+          </a:p>
+          <a:p>
+            <a:r>
+              <a:rPr lang="en-US" sz="1600" dirty="0" smtClean="0"/>
+              <a:t>5.Angular heavily use watch in case of data binding. </a:t>
+            </a:r>
+          </a:p>
+          <a:p>
+            <a:r>
+              <a:rPr lang="en-US" sz="1600" dirty="0" smtClean="0"/>
+              <a:t>6.We </a:t>
+            </a:r>
+            <a:r>
+              <a:rPr lang="en-US" sz="1600" dirty="0" smtClean="0"/>
+              <a:t>can add our own “watch </a:t>
+            </a:r>
+            <a:r>
+              <a:rPr lang="en-US" sz="1600" dirty="0" smtClean="0"/>
+              <a:t>using $scope $watch function.</a:t>
+            </a:r>
+          </a:p>
+          <a:p>
+            <a:r>
+              <a:rPr lang="en-US" sz="1600" dirty="0" smtClean="0"/>
+              <a:t>$</a:t>
+            </a:r>
+            <a:r>
+              <a:rPr lang="en-US" sz="1600" dirty="0" err="1" smtClean="0"/>
+              <a:t>scope.$watch</a:t>
+            </a:r>
+            <a:r>
+              <a:rPr lang="en-US" sz="1600" dirty="0" smtClean="0"/>
+              <a:t>(</a:t>
+            </a:r>
+            <a:r>
+              <a:rPr lang="en-US" sz="1600" dirty="0" err="1" smtClean="0"/>
+              <a:t>watchExp</a:t>
+            </a:r>
+            <a:r>
+              <a:rPr lang="en-US" sz="1600" dirty="0"/>
+              <a:t>, </a:t>
+            </a:r>
+            <a:r>
+              <a:rPr lang="en-US" sz="1600" dirty="0" err="1" smtClean="0"/>
+              <a:t>watchlistenerfunction</a:t>
+            </a:r>
+            <a:r>
+              <a:rPr lang="en-US" sz="1600" dirty="0" smtClean="0"/>
+              <a:t>,</a:t>
+            </a:r>
+            <a:r>
+              <a:rPr lang="en-US" sz="1600" dirty="0"/>
+              <a:t> </a:t>
+            </a:r>
+            <a:r>
+              <a:rPr lang="en-US" sz="1600" dirty="0"/>
+              <a:t>objectEquality, prettyPrintExpression</a:t>
+            </a:r>
+            <a:r>
+              <a:rPr lang="en-US" sz="1600" dirty="0"/>
+              <a:t>)</a:t>
+            </a:r>
+            <a:endParaRPr lang="en-US" sz="1600" dirty="0" smtClean="0"/>
+          </a:p>
+          <a:p>
+            <a:pPr algn="ctr"/>
+            <a:endParaRPr lang="en-US" dirty="0"/>
+          </a:p>
+        </p:txBody>
+      </p:sp>
+    </p:spTree>
+    <p:extLst>
+      <p:ext uri="{BB962C8B-B14F-4D97-AF65-F5344CB8AC3E}">
+        <p14:creationId xmlns:p14="http://schemas.microsoft.com/office/powerpoint/2010/main" val="3739951348"/>
+      </p:ext>
+    </p:extLst>
+  </p:cSld>
+  <p:clrMapOvr>
+    <a:masterClrMapping/>
+  </p:clrMapOvr>
+  <mc:AlternateContent xmlns:mc="http://schemas.openxmlformats.org/markup-compatibility/2006" xmlns:p14="http://schemas.microsoft.com/office/powerpoint/2010/main">
+    <mc:Choice Requires="p14">
+      <p:transition spd="med" p14:dur="700">
+        <p:fade/>
+      </p:transition>
+    </mc:Choice>
+    <mc:Fallback xmlns="">
+      <p:transition spd="med">
+        <p:fade/>
+      </p:transition>
+    </mc:Fallback>
+  </mc:AlternateContent>
+  <p:timing>
+    <p:tnLst>
+      <p:par>
+        <p:cTn id="1" dur="indefinite" restart="never" nodeType="tmRoot"/>
+      </p:par>
+    </p:tnLst>
+  </p:timing>
+</p:sld>
+</file>
+
+<file path=ppt/slides/slide44.xml><?xml version="1.0" encoding="utf-8"?>
+<p:sld xmlns:a="http://schemas.openxmlformats.org/drawingml/2006/main" xmlns:r="http://schemas.openxmlformats.org/officeDocument/2006/relationships" xmlns:p="http://schemas.openxmlformats.org/presentationml/2006/main" showMasterSp="0">
+  <p:cSld>
+    <p:spTree>
+      <p:nvGrpSpPr>
+        <p:cNvPr id="1" name=""/>
+        <p:cNvGrpSpPr/>
+        <p:nvPr/>
+      </p:nvGrpSpPr>
+      <p:grpSpPr>
+        <a:xfrm>
+          <a:off x="0" y="0"/>
+          <a:ext cx="0" cy="0"/>
+          <a:chOff x="0" y="0"/>
+          <a:chExt cx="0" cy="0"/>
+        </a:xfrm>
+      </p:grpSpPr>
+      <p:sp>
+        <p:nvSpPr>
+          <p:cNvPr id="3" name="Content Placeholder 2"/>
+          <p:cNvSpPr txBox="1">
+            <a:spLocks/>
+          </p:cNvSpPr>
+          <p:nvPr/>
+        </p:nvSpPr>
+        <p:spPr>
+          <a:xfrm>
+            <a:off x="291714" y="151254"/>
+            <a:ext cx="8762909" cy="4743880"/>
+          </a:xfrm>
+          <a:prstGeom prst="rect">
+            <a:avLst/>
+          </a:prstGeom>
+        </p:spPr>
+        <p:txBody>
+          <a:bodyPr/>
+          <a:lstStyle>
+            <a:lvl1pPr marL="0" indent="0" algn="l" defTabSz="685743" rtl="0" eaLnBrk="1" latinLnBrk="0" hangingPunct="1">
+              <a:lnSpc>
+                <a:spcPct val="100000"/>
+              </a:lnSpc>
+              <a:spcBef>
+                <a:spcPts val="450"/>
+              </a:spcBef>
+              <a:spcAft>
+                <a:spcPts val="450"/>
+              </a:spcAft>
+              <a:buClr>
+                <a:schemeClr val="accent1"/>
+              </a:buClr>
+              <a:buFont typeface="Wingdings" pitchFamily="2" charset="2"/>
+              <a:buNone/>
+              <a:defRPr lang="en-US" sz="2000" kern="1200" dirty="0" smtClean="0">
+                <a:solidFill>
+                  <a:schemeClr val="tx2"/>
+                </a:solidFill>
+                <a:latin typeface="+mn-lt"/>
+                <a:ea typeface="+mn-ea"/>
+                <a:cs typeface="Arial" pitchFamily="34" charset="0"/>
+              </a:defRPr>
+            </a:lvl1pPr>
+            <a:lvl2pPr marL="457200" indent="-274320" algn="l" defTabSz="685743" rtl="0" eaLnBrk="1" latinLnBrk="0" hangingPunct="1">
+              <a:lnSpc>
+                <a:spcPct val="100000"/>
+              </a:lnSpc>
+              <a:spcBef>
+                <a:spcPts val="0"/>
+              </a:spcBef>
+              <a:spcAft>
+                <a:spcPts val="225"/>
+              </a:spcAft>
+              <a:buClrTx/>
+              <a:buSzPct val="120000"/>
+              <a:buFont typeface="Wingdings" pitchFamily="2" charset="2"/>
+              <a:buChar char="§"/>
+              <a:tabLst>
+                <a:tab pos="173831" algn="l"/>
+              </a:tabLst>
+              <a:defRPr lang="en-US" sz="1600" kern="1200" baseline="0" dirty="0" smtClean="0">
+                <a:solidFill>
+                  <a:schemeClr val="tx1"/>
+                </a:solidFill>
+                <a:latin typeface="+mn-lt"/>
+                <a:ea typeface="+mn-ea"/>
+                <a:cs typeface="Arial" pitchFamily="34" charset="0"/>
+              </a:defRPr>
+            </a:lvl2pPr>
+            <a:lvl3pPr marL="640080" indent="-274320" algn="l" defTabSz="685743" rtl="0" eaLnBrk="1" latinLnBrk="0" hangingPunct="1">
+              <a:lnSpc>
+                <a:spcPct val="100000"/>
+              </a:lnSpc>
+              <a:spcBef>
+                <a:spcPts val="0"/>
+              </a:spcBef>
+              <a:spcAft>
+                <a:spcPts val="225"/>
+              </a:spcAft>
+              <a:buClrTx/>
+              <a:buFont typeface="Wingdings" pitchFamily="2" charset="2"/>
+              <a:buChar char="§"/>
+              <a:defRPr lang="en-US" sz="1400" kern="1200" dirty="0" smtClean="0">
+                <a:solidFill>
+                  <a:schemeClr val="tx1"/>
+                </a:solidFill>
+                <a:latin typeface="+mn-lt"/>
+                <a:ea typeface="+mn-ea"/>
+                <a:cs typeface="+mn-cs"/>
+              </a:defRPr>
+            </a:lvl3pPr>
+            <a:lvl4pPr marL="822960" indent="-274320" algn="l" defTabSz="685743" rtl="0" eaLnBrk="1" latinLnBrk="0" hangingPunct="1">
+              <a:lnSpc>
+                <a:spcPct val="100000"/>
+              </a:lnSpc>
+              <a:spcBef>
+                <a:spcPts val="0"/>
+              </a:spcBef>
+              <a:spcAft>
+                <a:spcPts val="225"/>
+              </a:spcAft>
+              <a:buClrTx/>
+              <a:buFont typeface="Wingdings" pitchFamily="2" charset="2"/>
+              <a:buChar char="§"/>
+              <a:defRPr lang="en-US" sz="1200" kern="1200" dirty="0" smtClean="0">
+                <a:solidFill>
+                  <a:schemeClr val="tx1"/>
+                </a:solidFill>
+                <a:latin typeface="+mn-lt"/>
+                <a:ea typeface="+mn-ea"/>
+                <a:cs typeface="+mn-cs"/>
+              </a:defRPr>
+            </a:lvl4pPr>
+            <a:lvl5pPr marL="1005840" indent="-274320" algn="l" defTabSz="685743" rtl="0" eaLnBrk="1" latinLnBrk="0" hangingPunct="1">
+              <a:lnSpc>
+                <a:spcPct val="100000"/>
+              </a:lnSpc>
+              <a:spcBef>
+                <a:spcPts val="0"/>
+              </a:spcBef>
+              <a:spcAft>
+                <a:spcPts val="225"/>
+              </a:spcAft>
+              <a:buClrTx/>
+              <a:buFont typeface="Wingdings" pitchFamily="2" charset="2"/>
+              <a:buChar char="§"/>
+              <a:defRPr lang="en-US" sz="1100" kern="1200" dirty="0">
+                <a:solidFill>
+                  <a:schemeClr val="tx1"/>
+                </a:solidFill>
+                <a:latin typeface="+mn-lt"/>
+                <a:ea typeface="+mn-ea"/>
+                <a:cs typeface="+mn-cs"/>
+              </a:defRPr>
+            </a:lvl5pPr>
+            <a:lvl6pPr marL="1885793" indent="-171437" algn="l" defTabSz="685743" rtl="0" eaLnBrk="1" latinLnBrk="0" hangingPunct="1">
+              <a:spcBef>
+                <a:spcPct val="20000"/>
+              </a:spcBef>
+              <a:buFont typeface="Arial" pitchFamily="34" charset="0"/>
+              <a:buChar char="•"/>
+              <a:defRPr sz="1500" kern="1200">
+                <a:solidFill>
+                  <a:schemeClr val="tx1"/>
+                </a:solidFill>
+                <a:latin typeface="+mn-lt"/>
+                <a:ea typeface="+mn-ea"/>
+                <a:cs typeface="+mn-cs"/>
+              </a:defRPr>
+            </a:lvl6pPr>
+            <a:lvl7pPr marL="2228664" indent="-171437" algn="l" defTabSz="685743" rtl="0" eaLnBrk="1" latinLnBrk="0" hangingPunct="1">
+              <a:spcBef>
+                <a:spcPct val="20000"/>
+              </a:spcBef>
+              <a:buFont typeface="Arial" pitchFamily="34" charset="0"/>
+              <a:buChar char="•"/>
+              <a:defRPr sz="1500" kern="1200">
+                <a:solidFill>
+                  <a:schemeClr val="tx1"/>
+                </a:solidFill>
+                <a:latin typeface="+mn-lt"/>
+                <a:ea typeface="+mn-ea"/>
+                <a:cs typeface="+mn-cs"/>
+              </a:defRPr>
+            </a:lvl7pPr>
+            <a:lvl8pPr marL="2571536" indent="-171437" algn="l" defTabSz="685743" rtl="0" eaLnBrk="1" latinLnBrk="0" hangingPunct="1">
+              <a:spcBef>
+                <a:spcPct val="20000"/>
+              </a:spcBef>
+              <a:buFont typeface="Arial" pitchFamily="34" charset="0"/>
+              <a:buChar char="•"/>
+              <a:defRPr sz="1500" kern="1200">
+                <a:solidFill>
+                  <a:schemeClr val="tx1"/>
+                </a:solidFill>
+                <a:latin typeface="+mn-lt"/>
+                <a:ea typeface="+mn-ea"/>
+                <a:cs typeface="+mn-cs"/>
+              </a:defRPr>
+            </a:lvl8pPr>
+            <a:lvl9pPr marL="2914407" indent="-171437" algn="l" defTabSz="685743" rtl="0" eaLnBrk="1" latinLnBrk="0" hangingPunct="1">
+              <a:spcBef>
+                <a:spcPct val="20000"/>
+              </a:spcBef>
+              <a:buFont typeface="Arial" pitchFamily="34" charset="0"/>
+              <a:buChar char="•"/>
+              <a:defRPr sz="1500" kern="1200">
+                <a:solidFill>
+                  <a:schemeClr val="tx1"/>
+                </a:solidFill>
+                <a:latin typeface="+mn-lt"/>
+                <a:ea typeface="+mn-ea"/>
+                <a:cs typeface="+mn-cs"/>
+              </a:defRPr>
+            </a:lvl9pPr>
+          </a:lstStyle>
+          <a:p>
+            <a:pPr algn="ctr"/>
+            <a:endParaRPr lang="en-US" dirty="0"/>
+          </a:p>
+        </p:txBody>
+      </p:sp>
+      <p:sp>
+        <p:nvSpPr>
+          <p:cNvPr id="4" name="Rectangle 3"/>
+          <p:cNvSpPr/>
+          <p:nvPr/>
+        </p:nvSpPr>
+        <p:spPr>
+          <a:xfrm>
+            <a:off x="216568" y="112361"/>
+            <a:ext cx="8068034" cy="2031325"/>
+          </a:xfrm>
+          <a:prstGeom prst="rect">
+            <a:avLst/>
+          </a:prstGeom>
+        </p:spPr>
+        <p:txBody>
+          <a:bodyPr wrap="square">
+            <a:spAutoFit/>
+          </a:bodyPr>
+          <a:lstStyle/>
+          <a:p>
+            <a:r>
+              <a:rPr lang="en-US" sz="1400" dirty="0">
+                <a:solidFill>
+                  <a:schemeClr val="tx2"/>
+                </a:solidFill>
+              </a:rPr>
+              <a:t>Ex. $</a:t>
+            </a:r>
+            <a:r>
+              <a:rPr lang="en-US" sz="1400" dirty="0" err="1">
+                <a:solidFill>
+                  <a:schemeClr val="tx2"/>
+                </a:solidFill>
+              </a:rPr>
+              <a:t>scope.$watch</a:t>
+            </a:r>
+            <a:r>
+              <a:rPr lang="en-US" sz="1400" dirty="0">
+                <a:solidFill>
+                  <a:schemeClr val="tx2"/>
+                </a:solidFill>
+              </a:rPr>
+              <a:t>(‘</a:t>
+            </a:r>
+            <a:r>
+              <a:rPr lang="en-US" sz="1400" dirty="0" err="1">
+                <a:solidFill>
+                  <a:schemeClr val="tx2"/>
+                </a:solidFill>
+              </a:rPr>
+              <a:t>a’,function</a:t>
+            </a:r>
+            <a:r>
+              <a:rPr lang="en-US" sz="1400" dirty="0">
+                <a:solidFill>
+                  <a:schemeClr val="tx2"/>
+                </a:solidFill>
+              </a:rPr>
+              <a:t>(</a:t>
+            </a:r>
+            <a:r>
+              <a:rPr lang="en-US" sz="1400" dirty="0" err="1">
+                <a:solidFill>
+                  <a:schemeClr val="tx2"/>
+                </a:solidFill>
+              </a:rPr>
+              <a:t>newVal,oldVal</a:t>
+            </a:r>
+            <a:r>
+              <a:rPr lang="en-US" sz="1400" dirty="0">
+                <a:solidFill>
+                  <a:schemeClr val="tx2"/>
+                </a:solidFill>
+              </a:rPr>
+              <a:t>){</a:t>
+            </a:r>
+          </a:p>
+          <a:p>
+            <a:r>
+              <a:rPr lang="en-US" sz="1400" dirty="0">
+                <a:solidFill>
+                  <a:schemeClr val="tx2"/>
+                </a:solidFill>
+              </a:rPr>
+              <a:t>If(</a:t>
+            </a:r>
+            <a:r>
+              <a:rPr lang="en-US" sz="1400" dirty="0" err="1">
+                <a:solidFill>
+                  <a:schemeClr val="tx2"/>
+                </a:solidFill>
+              </a:rPr>
+              <a:t>newVal</a:t>
+            </a:r>
+            <a:r>
+              <a:rPr lang="en-US" sz="1400" dirty="0">
+                <a:solidFill>
+                  <a:schemeClr val="tx2"/>
+                </a:solidFill>
+              </a:rPr>
+              <a:t> !== </a:t>
+            </a:r>
+            <a:r>
+              <a:rPr lang="en-US" sz="1400" dirty="0" err="1">
+                <a:solidFill>
+                  <a:schemeClr val="tx2"/>
+                </a:solidFill>
+              </a:rPr>
+              <a:t>oldVal</a:t>
+            </a:r>
+            <a:r>
+              <a:rPr lang="en-US" sz="1400" dirty="0" smtClean="0">
+                <a:solidFill>
+                  <a:schemeClr val="tx2"/>
+                </a:solidFill>
+              </a:rPr>
+              <a:t>){</a:t>
+            </a:r>
+          </a:p>
+          <a:p>
+            <a:r>
+              <a:rPr lang="en-US" sz="1400" dirty="0" smtClean="0">
+                <a:solidFill>
+                  <a:schemeClr val="tx2"/>
+                </a:solidFill>
+              </a:rPr>
+              <a:t> $</a:t>
+            </a:r>
+            <a:r>
+              <a:rPr lang="en-US" sz="1400" dirty="0" err="1" smtClean="0">
+                <a:solidFill>
+                  <a:schemeClr val="tx2"/>
+                </a:solidFill>
+              </a:rPr>
+              <a:t>scope.b</a:t>
+            </a:r>
+            <a:r>
+              <a:rPr lang="en-US" sz="1400" dirty="0" smtClean="0">
+                <a:solidFill>
+                  <a:schemeClr val="tx2"/>
+                </a:solidFill>
+              </a:rPr>
+              <a:t>=$</a:t>
+            </a:r>
+            <a:r>
+              <a:rPr lang="en-US" sz="1400" dirty="0" err="1" smtClean="0">
+                <a:solidFill>
+                  <a:schemeClr val="tx2"/>
+                </a:solidFill>
+              </a:rPr>
+              <a:t>scope.a</a:t>
+            </a:r>
+            <a:r>
+              <a:rPr lang="en-US" sz="1400" dirty="0" smtClean="0">
+                <a:solidFill>
+                  <a:schemeClr val="tx2"/>
+                </a:solidFill>
+              </a:rPr>
+              <a:t> * 2;</a:t>
+            </a:r>
+            <a:endParaRPr lang="en-US" sz="1400" dirty="0">
+              <a:solidFill>
+                <a:schemeClr val="tx2"/>
+              </a:solidFill>
+            </a:endParaRPr>
+          </a:p>
+          <a:p>
+            <a:r>
+              <a:rPr lang="en-US" sz="1400" dirty="0" smtClean="0">
+                <a:solidFill>
+                  <a:schemeClr val="tx2"/>
+                </a:solidFill>
+              </a:rPr>
+              <a:t>}</a:t>
+            </a:r>
+            <a:endParaRPr lang="en-US" sz="1400" dirty="0">
+              <a:solidFill>
+                <a:schemeClr val="tx2"/>
+              </a:solidFill>
+            </a:endParaRPr>
+          </a:p>
+          <a:p>
+            <a:r>
+              <a:rPr lang="en-US" sz="1400" dirty="0" smtClean="0">
+                <a:solidFill>
+                  <a:schemeClr val="tx2"/>
+                </a:solidFill>
+              </a:rPr>
+              <a:t>});</a:t>
+            </a:r>
+          </a:p>
+          <a:p>
+            <a:endParaRPr lang="en-US" sz="1400" dirty="0">
+              <a:solidFill>
+                <a:schemeClr val="tx2"/>
+              </a:solidFill>
+            </a:endParaRPr>
+          </a:p>
+          <a:p>
+            <a:r>
+              <a:rPr lang="en-US" sz="1400" dirty="0" smtClean="0">
+                <a:solidFill>
+                  <a:schemeClr val="tx2"/>
+                </a:solidFill>
+              </a:rPr>
+              <a:t>Watch Listener function get executed when watched </a:t>
+            </a:r>
+            <a:r>
+              <a:rPr lang="en-US" sz="1400" smtClean="0">
+                <a:solidFill>
+                  <a:schemeClr val="tx2"/>
+                </a:solidFill>
+              </a:rPr>
+              <a:t>value changed.</a:t>
+            </a:r>
+            <a:endParaRPr lang="en-US" sz="1400" dirty="0" smtClean="0">
+              <a:solidFill>
+                <a:schemeClr val="tx2"/>
+              </a:solidFill>
+            </a:endParaRPr>
+          </a:p>
+          <a:p>
+            <a:endParaRPr lang="en-US" sz="1400" dirty="0" smtClean="0"/>
+          </a:p>
+          <a:p>
+            <a:endParaRPr lang="en-US" sz="1400" dirty="0"/>
+          </a:p>
+        </p:txBody>
+      </p:sp>
+    </p:spTree>
+    <p:extLst>
+      <p:ext uri="{BB962C8B-B14F-4D97-AF65-F5344CB8AC3E}">
+        <p14:creationId xmlns:p14="http://schemas.microsoft.com/office/powerpoint/2010/main" val="719883080"/>
       </p:ext>
     </p:extLst>
   </p:cSld>
